--- a/Projektauftrag.pptx
+++ b/Projektauftrag.pptx
@@ -201,7 +201,7 @@
           <a:p>
             <a:fld id="{5098C484-ED75-4DD6-83BC-848F923ACBFB}" type="datetimeFigureOut">
               <a:rPr lang="de-DE" smtClean="0"/>
-              <a:t>29.04.2014</a:t>
+              <a:t>30.04.2014</a:t>
             </a:fld>
             <a:endParaRPr lang="de-DE"/>
           </a:p>
@@ -513,26 +513,6 @@
           <a:bodyPr/>
           <a:lstStyle/>
           <a:p>
-            <a:r>
-              <a:rPr lang="de-DE" dirty="0" smtClean="0"/>
-              <a:t>Interaktive </a:t>
-            </a:r>
-            <a:r>
-              <a:rPr lang="de-DE" dirty="0" err="1" smtClean="0"/>
-              <a:t>stadtführung</a:t>
-            </a:r>
-            <a:r>
-              <a:rPr lang="de-DE" dirty="0" smtClean="0"/>
-              <a:t> ermöglicht</a:t>
-            </a:r>
-            <a:r>
-              <a:rPr lang="de-DE" baseline="0" dirty="0" smtClean="0"/>
-              <a:t> kennenlernen der </a:t>
-            </a:r>
-            <a:r>
-              <a:rPr lang="de-DE" baseline="0" dirty="0" err="1" smtClean="0"/>
-              <a:t>stadt</a:t>
-            </a:r>
             <a:endParaRPr lang="de-DE" dirty="0"/>
           </a:p>
         </p:txBody>
@@ -850,7 +830,7 @@
           <a:p>
             <a:fld id="{B70DA2B2-4206-4C5B-B1C3-32EEE7A03DAA}" type="datetimeFigureOut">
               <a:rPr lang="de-DE" smtClean="0"/>
-              <a:t>29.04.2014</a:t>
+              <a:t>30.04.2014</a:t>
             </a:fld>
             <a:endParaRPr lang="de-DE"/>
           </a:p>
@@ -1020,7 +1000,7 @@
           <a:p>
             <a:fld id="{B70DA2B2-4206-4C5B-B1C3-32EEE7A03DAA}" type="datetimeFigureOut">
               <a:rPr lang="de-DE" smtClean="0"/>
-              <a:t>29.04.2014</a:t>
+              <a:t>30.04.2014</a:t>
             </a:fld>
             <a:endParaRPr lang="de-DE"/>
           </a:p>
@@ -1200,7 +1180,7 @@
           <a:p>
             <a:fld id="{B70DA2B2-4206-4C5B-B1C3-32EEE7A03DAA}" type="datetimeFigureOut">
               <a:rPr lang="de-DE" smtClean="0"/>
-              <a:t>29.04.2014</a:t>
+              <a:t>30.04.2014</a:t>
             </a:fld>
             <a:endParaRPr lang="de-DE"/>
           </a:p>
@@ -1370,7 +1350,7 @@
           <a:p>
             <a:fld id="{B70DA2B2-4206-4C5B-B1C3-32EEE7A03DAA}" type="datetimeFigureOut">
               <a:rPr lang="de-DE" smtClean="0"/>
-              <a:t>29.04.2014</a:t>
+              <a:t>30.04.2014</a:t>
             </a:fld>
             <a:endParaRPr lang="de-DE"/>
           </a:p>
@@ -1616,7 +1596,7 @@
           <a:p>
             <a:fld id="{B70DA2B2-4206-4C5B-B1C3-32EEE7A03DAA}" type="datetimeFigureOut">
               <a:rPr lang="de-DE" smtClean="0"/>
-              <a:t>29.04.2014</a:t>
+              <a:t>30.04.2014</a:t>
             </a:fld>
             <a:endParaRPr lang="de-DE"/>
           </a:p>
@@ -1904,7 +1884,7 @@
           <a:p>
             <a:fld id="{B70DA2B2-4206-4C5B-B1C3-32EEE7A03DAA}" type="datetimeFigureOut">
               <a:rPr lang="de-DE" smtClean="0"/>
-              <a:t>29.04.2014</a:t>
+              <a:t>30.04.2014</a:t>
             </a:fld>
             <a:endParaRPr lang="de-DE"/>
           </a:p>
@@ -2326,7 +2306,7 @@
           <a:p>
             <a:fld id="{B70DA2B2-4206-4C5B-B1C3-32EEE7A03DAA}" type="datetimeFigureOut">
               <a:rPr lang="de-DE" smtClean="0"/>
-              <a:t>29.04.2014</a:t>
+              <a:t>30.04.2014</a:t>
             </a:fld>
             <a:endParaRPr lang="de-DE"/>
           </a:p>
@@ -2444,7 +2424,7 @@
           <a:p>
             <a:fld id="{B70DA2B2-4206-4C5B-B1C3-32EEE7A03DAA}" type="datetimeFigureOut">
               <a:rPr lang="de-DE" smtClean="0"/>
-              <a:t>29.04.2014</a:t>
+              <a:t>30.04.2014</a:t>
             </a:fld>
             <a:endParaRPr lang="de-DE"/>
           </a:p>
@@ -2539,7 +2519,7 @@
           <a:p>
             <a:fld id="{B70DA2B2-4206-4C5B-B1C3-32EEE7A03DAA}" type="datetimeFigureOut">
               <a:rPr lang="de-DE" smtClean="0"/>
-              <a:t>29.04.2014</a:t>
+              <a:t>30.04.2014</a:t>
             </a:fld>
             <a:endParaRPr lang="de-DE"/>
           </a:p>
@@ -2816,7 +2796,7 @@
           <a:p>
             <a:fld id="{B70DA2B2-4206-4C5B-B1C3-32EEE7A03DAA}" type="datetimeFigureOut">
               <a:rPr lang="de-DE" smtClean="0"/>
-              <a:t>29.04.2014</a:t>
+              <a:t>30.04.2014</a:t>
             </a:fld>
             <a:endParaRPr lang="de-DE"/>
           </a:p>
@@ -3069,7 +3049,7 @@
           <a:p>
             <a:fld id="{B70DA2B2-4206-4C5B-B1C3-32EEE7A03DAA}" type="datetimeFigureOut">
               <a:rPr lang="de-DE" smtClean="0"/>
-              <a:t>29.04.2014</a:t>
+              <a:t>30.04.2014</a:t>
             </a:fld>
             <a:endParaRPr lang="de-DE"/>
           </a:p>
@@ -3282,7 +3262,7 @@
           <a:p>
             <a:fld id="{B70DA2B2-4206-4C5B-B1C3-32EEE7A03DAA}" type="datetimeFigureOut">
               <a:rPr lang="de-DE" smtClean="0"/>
-              <a:t>29.04.2014</a:t>
+              <a:t>30.04.2014</a:t>
             </a:fld>
             <a:endParaRPr lang="de-DE"/>
           </a:p>
@@ -4023,7 +4003,7 @@
                   <a:schemeClr val="bg1"/>
                 </a:solidFill>
               </a:rPr>
-              <a:t>Zusammenfassung</a:t>
+              <a:t>Überblick</a:t>
             </a:r>
             <a:endParaRPr lang="de-DE" dirty="0">
               <a:solidFill>
@@ -4057,7 +4037,23 @@
                   <a:schemeClr val="bg1"/>
                 </a:solidFill>
               </a:rPr>
-              <a:t>- interaktive Stadtführung für Mannheim.</a:t>
+              <a:t>Eine interaktive Stadtführung für Mannheim, die das Prinzip des </a:t>
+            </a:r>
+            <a:r>
+              <a:rPr lang="de-DE" dirty="0" err="1" smtClean="0">
+                <a:solidFill>
+                  <a:schemeClr val="bg1"/>
+                </a:solidFill>
+              </a:rPr>
+              <a:t>GeoCachings</a:t>
+            </a:r>
+            <a:r>
+              <a:rPr lang="de-DE" dirty="0" smtClean="0">
+                <a:solidFill>
+                  <a:schemeClr val="bg1"/>
+                </a:solidFill>
+              </a:rPr>
+              <a:t> nutzt, ermöglicht ein eigenständiges Kennenlernen verschiedener Örtlichkeiten der Stadt.</a:t>
             </a:r>
           </a:p>
           <a:p>
@@ -4070,8 +4066,13 @@
                   <a:schemeClr val="bg1"/>
                 </a:solidFill>
               </a:rPr>
-              <a:t>Angelehnt an GeoCaching kann der Nutzer autonom verschiedene Lokalitäten der Stadt erkunden. </a:t>
-            </a:r>
+              <a:t>Durch die Verwendung von Rätseln, welche die Routenplanung unterstützen, wird eine Möglichkeit geschaffen Informationen und Wissen einfach zu vermitteln.</a:t>
+            </a:r>
+            <a:endParaRPr lang="de-DE" dirty="0" smtClean="0">
+              <a:solidFill>
+                <a:schemeClr val="bg1"/>
+              </a:solidFill>
+            </a:endParaRPr>
           </a:p>
         </p:txBody>
       </p:sp>
@@ -4161,10 +4162,15 @@
             <p:ph idx="1"/>
           </p:nvPr>
         </p:nvSpPr>
-        <p:spPr/>
+        <p:spPr>
+          <a:xfrm>
+            <a:off x="457200" y="1600200"/>
+            <a:ext cx="8579296" cy="4525963"/>
+          </a:xfrm>
+        </p:spPr>
         <p:txBody>
           <a:bodyPr>
-            <a:normAutofit fontScale="92500" lnSpcReduction="10000"/>
+            <a:normAutofit fontScale="85000" lnSpcReduction="20000"/>
           </a:bodyPr>
           <a:lstStyle/>
           <a:p>
@@ -4185,17 +4191,15 @@
                   <a:schemeClr val="bg1"/>
                 </a:solidFill>
               </a:rPr>
-              <a:t>Nutzer haben Interesse an der Stadt, wollen aber keine angebotene Stadtführung machen</a:t>
-            </a:r>
-          </a:p>
-          <a:p>
-            <a:r>
-              <a:rPr lang="de-DE" dirty="0" smtClean="0">
-                <a:solidFill>
-                  <a:schemeClr val="bg1"/>
-                </a:solidFill>
-              </a:rPr>
-              <a:t>Problem</a:t>
+              <a:t>Nutzer haben Interesse an der </a:t>
+            </a:r>
+            <a:r>
+              <a:rPr lang="de-DE" dirty="0" smtClean="0">
+                <a:solidFill>
+                  <a:schemeClr val="bg1"/>
+                </a:solidFill>
+              </a:rPr>
+              <a:t>Stadt</a:t>
             </a:r>
           </a:p>
           <a:p>
@@ -4206,35 +4210,91 @@
                   <a:schemeClr val="bg1"/>
                 </a:solidFill>
               </a:rPr>
-              <a:t>Keine Flexibilität, da Stadtführungen selten und zu geplanten Zeiten stattfinden</a:t>
-            </a:r>
-          </a:p>
-          <a:p>
-            <a:pPr lvl="1"/>
-            <a:r>
-              <a:rPr lang="de-DE" dirty="0" smtClean="0">
-                <a:solidFill>
-                  <a:schemeClr val="bg1"/>
-                </a:solidFill>
-              </a:rPr>
-              <a:t>Führungen werden nur frontal gehalten, keine Interaktivität</a:t>
-            </a:r>
-          </a:p>
-          <a:p>
-            <a:pPr lvl="1"/>
-            <a:r>
-              <a:rPr lang="de-DE" dirty="0" smtClean="0">
-                <a:solidFill>
-                  <a:schemeClr val="bg1"/>
-                </a:solidFill>
-              </a:rPr>
-              <a:t>Bei den Führungen ist man zeitlich und räumlich an den Führenden gebunden</a:t>
-            </a:r>
-            <a:endParaRPr lang="de-DE" dirty="0">
+              <a:t>Stadtführungen, Reiseführer, Selbsterkundung der Stadt o.ä.</a:t>
+            </a:r>
+            <a:endParaRPr lang="de-DE" dirty="0" smtClean="0">
               <a:solidFill>
                 <a:schemeClr val="bg1"/>
               </a:solidFill>
             </a:endParaRPr>
+          </a:p>
+          <a:p>
+            <a:r>
+              <a:rPr lang="de-DE" dirty="0" smtClean="0">
+                <a:solidFill>
+                  <a:schemeClr val="bg1"/>
+                </a:solidFill>
+              </a:rPr>
+              <a:t>Problem</a:t>
+            </a:r>
+            <a:endParaRPr lang="de-DE" dirty="0" smtClean="0">
+              <a:solidFill>
+                <a:schemeClr val="bg1"/>
+              </a:solidFill>
+            </a:endParaRPr>
+          </a:p>
+          <a:p>
+            <a:pPr lvl="1"/>
+            <a:r>
+              <a:rPr lang="de-DE" dirty="0" smtClean="0">
+                <a:solidFill>
+                  <a:schemeClr val="bg1"/>
+                </a:solidFill>
+              </a:rPr>
+              <a:t>Keine Flexibilität, da Stadtführungen selten und zu geplanten Zeiten stattfinden</a:t>
+            </a:r>
+          </a:p>
+          <a:p>
+            <a:pPr lvl="1"/>
+            <a:r>
+              <a:rPr lang="de-DE" dirty="0" smtClean="0">
+                <a:solidFill>
+                  <a:schemeClr val="bg1"/>
+                </a:solidFill>
+              </a:rPr>
+              <a:t>Führungen werden nur frontal gehalten, keine Interaktivität</a:t>
+            </a:r>
+          </a:p>
+          <a:p>
+            <a:pPr lvl="1"/>
+            <a:r>
+              <a:rPr lang="de-DE" dirty="0" smtClean="0">
+                <a:solidFill>
+                  <a:schemeClr val="bg1"/>
+                </a:solidFill>
+              </a:rPr>
+              <a:t>Bei den Führungen ist man zeitlich und räumlich an den Führenden </a:t>
+            </a:r>
+            <a:r>
+              <a:rPr lang="de-DE" dirty="0" smtClean="0">
+                <a:solidFill>
+                  <a:schemeClr val="bg1"/>
+                </a:solidFill>
+              </a:rPr>
+              <a:t>gebunden</a:t>
+            </a:r>
+          </a:p>
+          <a:p>
+            <a:pPr lvl="1"/>
+            <a:r>
+              <a:rPr lang="de-DE" dirty="0" smtClean="0">
+                <a:solidFill>
+                  <a:schemeClr val="bg1"/>
+                </a:solidFill>
+              </a:rPr>
+              <a:t>Reiseführer sind unpopulär und nicht zeitgemäß</a:t>
+            </a:r>
+          </a:p>
+          <a:p>
+            <a:pPr lvl="1"/>
+            <a:r>
+              <a:rPr lang="de-DE" dirty="0" smtClean="0">
+                <a:solidFill>
+                  <a:schemeClr val="bg1"/>
+                </a:solidFill>
+              </a:rPr>
+              <a:t>Selbsterkundungen sind oft nicht effektiv (man verpasst einiges)</a:t>
+            </a:r>
           </a:p>
         </p:txBody>
       </p:sp>
@@ -4335,8 +4395,13 @@
                   <a:schemeClr val="bg1"/>
                 </a:solidFill>
               </a:rPr>
-              <a:t>Bedarf</a:t>
-            </a:r>
+              <a:t>Lösungsansatz</a:t>
+            </a:r>
+            <a:endParaRPr lang="de-DE" dirty="0" smtClean="0">
+              <a:solidFill>
+                <a:schemeClr val="bg1"/>
+              </a:solidFill>
+            </a:endParaRPr>
           </a:p>
           <a:p>
             <a:pPr lvl="1"/>
@@ -4346,7 +4411,7 @@
                   <a:schemeClr val="bg1"/>
                 </a:solidFill>
               </a:rPr>
-              <a:t>Nutzer muss Geschwindigkeit der Führung bestimmen können</a:t>
+              <a:t>Nutzer kann Geschwindigkeit selbst bestimmen</a:t>
             </a:r>
           </a:p>
           <a:p>
@@ -4357,7 +4422,7 @@
                   <a:schemeClr val="bg1"/>
                 </a:solidFill>
               </a:rPr>
-              <a:t>Loslösung von einer Gruppe</a:t>
+              <a:t>Smartphone App, hohe Verfügbarkeit; Interaktion</a:t>
             </a:r>
           </a:p>
           <a:p>
@@ -4368,8 +4433,51 @@
                   <a:schemeClr val="bg1"/>
                 </a:solidFill>
               </a:rPr>
-              <a:t>Keine feste Zeit-Ort-Relation </a:t>
-            </a:r>
+              <a:t>Kostenlos, für Nutzer un</a:t>
+            </a:r>
+            <a:r>
+              <a:rPr lang="de-DE" dirty="0" smtClean="0">
+                <a:solidFill>
+                  <a:schemeClr val="bg1"/>
+                </a:solidFill>
+              </a:rPr>
+              <a:t>d Stadt</a:t>
+            </a:r>
+          </a:p>
+          <a:p>
+            <a:pPr lvl="1"/>
+            <a:r>
+              <a:rPr lang="de-DE" dirty="0" err="1" smtClean="0">
+                <a:solidFill>
+                  <a:schemeClr val="bg1"/>
+                </a:solidFill>
+              </a:rPr>
+              <a:t>Tourkatalog</a:t>
+            </a:r>
+            <a:r>
+              <a:rPr lang="de-DE" dirty="0" smtClean="0">
+                <a:solidFill>
+                  <a:schemeClr val="bg1"/>
+                </a:solidFill>
+              </a:rPr>
+              <a:t> beliebig erweiterbar</a:t>
+            </a:r>
+          </a:p>
+          <a:p>
+            <a:pPr lvl="1"/>
+            <a:r>
+              <a:rPr lang="de-DE" dirty="0" smtClean="0">
+                <a:solidFill>
+                  <a:schemeClr val="bg1"/>
+                </a:solidFill>
+              </a:rPr>
+              <a:t>Modern, zeitgemäß</a:t>
+            </a:r>
+            <a:endParaRPr lang="de-DE" dirty="0" smtClean="0">
+              <a:solidFill>
+                <a:schemeClr val="bg1"/>
+              </a:solidFill>
+            </a:endParaRPr>
           </a:p>
           <a:p>
             <a:pPr lvl="1"/>
@@ -4508,6 +4616,13 @@
   <p:clrMapOvr>
     <a:masterClrMapping/>
   </p:clrMapOvr>
+  <p:timing>
+    <p:tnLst>
+      <p:par>
+        <p:cTn id="1" dur="indefinite" restart="never" nodeType="tmRoot"/>
+      </p:par>
+    </p:tnLst>
+  </p:timing>
 </p:sld>
 </file>
 
@@ -4584,7 +4699,9 @@
           </a:xfrm>
         </p:spPr>
         <p:txBody>
-          <a:bodyPr/>
+          <a:bodyPr>
+            <a:normAutofit fontScale="92500" lnSpcReduction="10000"/>
+          </a:bodyPr>
           <a:lstStyle/>
           <a:p>
             <a:r>
@@ -4636,7 +4753,53 @@
                   <a:schemeClr val="bg1"/>
                 </a:solidFill>
               </a:rPr>
-              <a:t>Terminvorgaben, Meilensteine, Budgetvorgaben, Kostenrahmen</a:t>
+              <a:t>Terminvorgaben, Meilensteine, Budgetvorgaben, </a:t>
+            </a:r>
+            <a:r>
+              <a:rPr lang="de-DE" dirty="0" smtClean="0">
+                <a:solidFill>
+                  <a:schemeClr val="bg1"/>
+                </a:solidFill>
+              </a:rPr>
+              <a:t>Kostenrahmen</a:t>
+            </a:r>
+            <a:endParaRPr lang="de-DE" dirty="0">
+              <a:solidFill>
+                <a:schemeClr val="bg1"/>
+              </a:solidFill>
+            </a:endParaRPr>
+          </a:p>
+          <a:p>
+            <a:pPr lvl="1"/>
+            <a:r>
+              <a:rPr lang="de-DE" dirty="0" smtClean="0">
+                <a:solidFill>
+                  <a:schemeClr val="bg1"/>
+                </a:solidFill>
+              </a:rPr>
+              <a:t>Anfang Juni: Fertigstellung für Beta-Phase</a:t>
+            </a:r>
+          </a:p>
+          <a:p>
+            <a:pPr lvl="1"/>
+            <a:r>
+              <a:rPr lang="de-DE" dirty="0" smtClean="0">
+                <a:solidFill>
+                  <a:schemeClr val="bg1"/>
+                </a:solidFill>
+              </a:rPr>
+              <a:t>Meilensteine: Orte finden, Rätsel erstellen, App programmieren, Testphase</a:t>
+            </a:r>
+          </a:p>
+          <a:p>
+            <a:pPr lvl="1"/>
+            <a:r>
+              <a:rPr lang="de-DE" dirty="0" smtClean="0">
+                <a:solidFill>
+                  <a:schemeClr val="bg1"/>
+                </a:solidFill>
+              </a:rPr>
+              <a:t>Kostenrahmen: 250 Stunden</a:t>
             </a:r>
             <a:endParaRPr lang="de-DE" dirty="0">
               <a:solidFill>
@@ -4827,12 +4990,12 @@
               <a:t>Findung des </a:t>
             </a:r>
             <a:r>
-              <a:rPr lang="de-DE" dirty="0" err="1" smtClean="0">
-                <a:solidFill>
-                  <a:schemeClr val="bg1"/>
-                </a:solidFill>
-              </a:rPr>
-              <a:t>Schwierigkeitgrades</a:t>
+              <a:rPr lang="de-DE" dirty="0" smtClean="0">
+                <a:solidFill>
+                  <a:schemeClr val="bg1"/>
+                </a:solidFill>
+              </a:rPr>
+              <a:t>Schwierigkeitsgrades</a:t>
             </a:r>
             <a:endParaRPr lang="de-DE" dirty="0" smtClean="0">
               <a:solidFill>

--- a/Projektauftrag.pptx
+++ b/Projektauftrag.pptx
@@ -116,6 +116,22 @@
       </a:defRPr>
     </a:lvl9pPr>
   </p:defaultTextStyle>
+  <p:extLst>
+    <p:ext uri="{EFAFB233-063F-42B5-8137-9DF3F51BA10A}">
+      <p15:sldGuideLst xmlns:p15="http://schemas.microsoft.com/office/powerpoint/2012/main">
+        <p15:guide id="1" orient="horz" pos="2160">
+          <p15:clr>
+            <a:srgbClr val="A4A3A4"/>
+          </p15:clr>
+        </p15:guide>
+        <p15:guide id="2" pos="2880">
+          <p15:clr>
+            <a:srgbClr val="A4A3A4"/>
+          </p15:clr>
+        </p15:guide>
+      </p15:sldGuideLst>
+    </p:ext>
+  </p:extLst>
 </p:presentation>
 </file>
 
@@ -4068,11 +4084,6 @@
               </a:rPr>
               <a:t>Durch die Verwendung von Rätseln, welche die Routenplanung unterstützen, wird eine Möglichkeit geschaffen Informationen und Wissen einfach zu vermitteln.</a:t>
             </a:r>
-            <a:endParaRPr lang="de-DE" dirty="0" smtClean="0">
-              <a:solidFill>
-                <a:schemeClr val="bg1"/>
-              </a:solidFill>
-            </a:endParaRPr>
           </a:p>
         </p:txBody>
       </p:sp>
@@ -4191,15 +4202,7 @@
                   <a:schemeClr val="bg1"/>
                 </a:solidFill>
               </a:rPr>
-              <a:t>Nutzer haben Interesse an der </a:t>
-            </a:r>
-            <a:r>
-              <a:rPr lang="de-DE" dirty="0" smtClean="0">
-                <a:solidFill>
-                  <a:schemeClr val="bg1"/>
-                </a:solidFill>
-              </a:rPr>
-              <a:t>Stadt</a:t>
+              <a:t>Nutzer haben Interesse an der Stadt</a:t>
             </a:r>
           </a:p>
           <a:p>
@@ -4212,11 +4215,6 @@
               </a:rPr>
               <a:t>Stadtführungen, Reiseführer, Selbsterkundung der Stadt o.ä.</a:t>
             </a:r>
-            <a:endParaRPr lang="de-DE" dirty="0" smtClean="0">
-              <a:solidFill>
-                <a:schemeClr val="bg1"/>
-              </a:solidFill>
-            </a:endParaRPr>
           </a:p>
           <a:p>
             <a:r>
@@ -4227,11 +4225,6 @@
               </a:rPr>
               <a:t>Problem</a:t>
             </a:r>
-            <a:endParaRPr lang="de-DE" dirty="0" smtClean="0">
-              <a:solidFill>
-                <a:schemeClr val="bg1"/>
-              </a:solidFill>
-            </a:endParaRPr>
           </a:p>
           <a:p>
             <a:pPr lvl="1"/>
@@ -4263,15 +4256,7 @@
                   <a:schemeClr val="bg1"/>
                 </a:solidFill>
               </a:rPr>
-              <a:t>Bei den Führungen ist man zeitlich und räumlich an den Führenden </a:t>
-            </a:r>
-            <a:r>
-              <a:rPr lang="de-DE" dirty="0" smtClean="0">
-                <a:solidFill>
-                  <a:schemeClr val="bg1"/>
-                </a:solidFill>
-              </a:rPr>
-              <a:t>gebunden</a:t>
+              <a:t>Bei den Führungen ist man zeitlich und räumlich an den Führenden gebunden</a:t>
             </a:r>
           </a:p>
           <a:p>
@@ -4397,11 +4382,6 @@
               </a:rPr>
               <a:t>Lösungsansatz</a:t>
             </a:r>
-            <a:endParaRPr lang="de-DE" dirty="0" smtClean="0">
-              <a:solidFill>
-                <a:schemeClr val="bg1"/>
-              </a:solidFill>
-            </a:endParaRPr>
           </a:p>
           <a:p>
             <a:pPr lvl="1"/>
@@ -4433,15 +4413,7 @@
                   <a:schemeClr val="bg1"/>
                 </a:solidFill>
               </a:rPr>
-              <a:t>Kostenlos, für Nutzer un</a:t>
-            </a:r>
-            <a:r>
-              <a:rPr lang="de-DE" dirty="0" smtClean="0">
-                <a:solidFill>
-                  <a:schemeClr val="bg1"/>
-                </a:solidFill>
-              </a:rPr>
-              <a:t>d Stadt</a:t>
+              <a:t>Kostenlos, für Nutzer und Stadt</a:t>
             </a:r>
           </a:p>
           <a:p>
@@ -4473,11 +4445,6 @@
               </a:rPr>
               <a:t>Modern, zeitgemäß</a:t>
             </a:r>
-            <a:endParaRPr lang="de-DE" dirty="0" smtClean="0">
-              <a:solidFill>
-                <a:schemeClr val="bg1"/>
-              </a:solidFill>
-            </a:endParaRPr>
           </a:p>
           <a:p>
             <a:pPr lvl="1"/>
@@ -4577,30 +4544,114 @@
         </p:nvSpPr>
         <p:spPr/>
         <p:txBody>
-          <a:bodyPr/>
-          <a:lstStyle/>
-          <a:p>
-            <a:r>
-              <a:rPr lang="de-DE" dirty="0" smtClean="0">
-                <a:solidFill>
-                  <a:schemeClr val="bg1"/>
+          <a:bodyPr>
+            <a:normAutofit/>
+          </a:bodyPr>
+          <a:lstStyle/>
+          <a:p>
+            <a:pPr marL="0" indent="0">
+              <a:buNone/>
+            </a:pPr>
+            <a:r>
+              <a:rPr lang="de-DE" dirty="0" smtClean="0">
+                <a:solidFill>
+                  <a:schemeClr val="bg1">
+                    <a:lumMod val="95000"/>
+                  </a:schemeClr>
                 </a:solidFill>
               </a:rPr>
               <a:t>Kosten/Nutzen</a:t>
             </a:r>
           </a:p>
           <a:p>
-            <a:r>
-              <a:rPr lang="de-DE" dirty="0" smtClean="0">
-                <a:solidFill>
-                  <a:schemeClr val="bg1"/>
-                </a:solidFill>
-              </a:rPr>
-              <a:t>Priorität des Projektes</a:t>
+            <a:pPr lvl="1"/>
+            <a:r>
+              <a:rPr lang="de-DE" dirty="0">
+                <a:solidFill>
+                  <a:schemeClr val="bg1">
+                    <a:lumMod val="95000"/>
+                  </a:schemeClr>
+                </a:solidFill>
+              </a:rPr>
+              <a:t>Keine </a:t>
+            </a:r>
+            <a:r>
+              <a:rPr lang="de-DE" dirty="0" smtClean="0">
+                <a:solidFill>
+                  <a:schemeClr val="bg1">
+                    <a:lumMod val="95000"/>
+                  </a:schemeClr>
+                </a:solidFill>
+              </a:rPr>
+              <a:t>direkte monetäre Wirtschaftlichkeit</a:t>
+            </a:r>
+          </a:p>
+          <a:p>
+            <a:pPr lvl="1"/>
+            <a:r>
+              <a:rPr lang="de-DE" dirty="0" smtClean="0">
+                <a:solidFill>
+                  <a:schemeClr val="bg1">
+                    <a:lumMod val="95000"/>
+                  </a:schemeClr>
+                </a:solidFill>
+              </a:rPr>
+              <a:t>Public </a:t>
+            </a:r>
+            <a:r>
+              <a:rPr lang="de-DE" dirty="0" err="1" smtClean="0">
+                <a:solidFill>
+                  <a:schemeClr val="bg1">
+                    <a:lumMod val="95000"/>
+                  </a:schemeClr>
+                </a:solidFill>
+              </a:rPr>
+              <a:t>Relationship</a:t>
             </a:r>
             <a:endParaRPr lang="de-DE" dirty="0">
               <a:solidFill>
-                <a:schemeClr val="bg1"/>
+                <a:schemeClr val="bg1">
+                  <a:lumMod val="95000"/>
+                </a:schemeClr>
+              </a:solidFill>
+            </a:endParaRPr>
+          </a:p>
+          <a:p>
+            <a:pPr marL="457200" lvl="1" indent="0">
+              <a:buNone/>
+            </a:pPr>
+            <a:endParaRPr lang="de-DE" dirty="0">
+              <a:solidFill>
+                <a:schemeClr val="bg1">
+                  <a:lumMod val="95000"/>
+                </a:schemeClr>
+              </a:solidFill>
+            </a:endParaRPr>
+          </a:p>
+          <a:p>
+            <a:pPr marL="0" indent="0">
+              <a:buNone/>
+            </a:pPr>
+            <a:r>
+              <a:rPr lang="de-DE" dirty="0" smtClean="0">
+                <a:solidFill>
+                  <a:schemeClr val="bg1">
+                    <a:lumMod val="95000"/>
+                  </a:schemeClr>
+                </a:solidFill>
+              </a:rPr>
+              <a:t>Der Aufwand der App beschränkt sich auf die Entwicklung, sowie die Initiale Sammlung der Daten. Im Nachhinein können regelmäßig die Routen auf Aktualität geprüft werden.</a:t>
+            </a:r>
+          </a:p>
+          <a:p>
+            <a:pPr marL="0" indent="0">
+              <a:buNone/>
+            </a:pPr>
+            <a:endParaRPr lang="de-DE" dirty="0" smtClean="0">
+              <a:solidFill>
+                <a:schemeClr val="bg1">
+                  <a:lumMod val="95000"/>
+                </a:schemeClr>
               </a:solidFill>
             </a:endParaRPr>
           </a:p>
@@ -4753,15 +4804,7 @@
                   <a:schemeClr val="bg1"/>
                 </a:solidFill>
               </a:rPr>
-              <a:t>Terminvorgaben, Meilensteine, Budgetvorgaben, </a:t>
-            </a:r>
-            <a:r>
-              <a:rPr lang="de-DE" dirty="0" smtClean="0">
-                <a:solidFill>
-                  <a:schemeClr val="bg1"/>
-                </a:solidFill>
-              </a:rPr>
-              <a:t>Kostenrahmen</a:t>
+              <a:t>Terminvorgaben, Meilensteine, Budgetvorgaben, Kostenrahmen</a:t>
             </a:r>
             <a:endParaRPr lang="de-DE" dirty="0">
               <a:solidFill>
@@ -4893,7 +4936,124 @@
           <a:bodyPr/>
           <a:lstStyle/>
           <a:p>
-            <a:endParaRPr lang="de-DE"/>
+            <a:pPr marL="0" indent="0">
+              <a:buNone/>
+            </a:pPr>
+            <a:r>
+              <a:rPr lang="de-DE" dirty="0" smtClean="0">
+                <a:solidFill>
+                  <a:schemeClr val="bg1">
+                    <a:lumMod val="95000"/>
+                  </a:schemeClr>
+                </a:solidFill>
+              </a:rPr>
+              <a:t>Erfolgreiches Projektmanagement</a:t>
+            </a:r>
+            <a:endParaRPr lang="de-DE" strike="sngStrike" dirty="0">
+              <a:solidFill>
+                <a:schemeClr val="bg1">
+                  <a:lumMod val="95000"/>
+                </a:schemeClr>
+              </a:solidFill>
+            </a:endParaRPr>
+          </a:p>
+          <a:p>
+            <a:pPr lvl="1"/>
+            <a:r>
+              <a:rPr lang="de-DE" dirty="0">
+                <a:solidFill>
+                  <a:schemeClr val="bg1">
+                    <a:lumMod val="95000"/>
+                  </a:schemeClr>
+                </a:solidFill>
+              </a:rPr>
+              <a:t>Fertigstellung innerhalb der Zeit</a:t>
+            </a:r>
+          </a:p>
+          <a:p>
+            <a:pPr lvl="1"/>
+            <a:r>
+              <a:rPr lang="de-DE" dirty="0" smtClean="0">
+                <a:solidFill>
+                  <a:schemeClr val="bg1">
+                    <a:lumMod val="95000"/>
+                  </a:schemeClr>
+                </a:solidFill>
+              </a:rPr>
+              <a:t>Stabile </a:t>
+            </a:r>
+            <a:r>
+              <a:rPr lang="de-DE" dirty="0">
+                <a:solidFill>
+                  <a:schemeClr val="bg1">
+                    <a:lumMod val="95000"/>
+                  </a:schemeClr>
+                </a:solidFill>
+              </a:rPr>
+              <a:t>Applikation</a:t>
+            </a:r>
+          </a:p>
+          <a:p>
+            <a:pPr lvl="1"/>
+            <a:r>
+              <a:rPr lang="de-DE" dirty="0">
+                <a:solidFill>
+                  <a:schemeClr val="bg1">
+                    <a:lumMod val="95000"/>
+                  </a:schemeClr>
+                </a:solidFill>
+              </a:rPr>
+              <a:t>Mindestens eine </a:t>
+            </a:r>
+            <a:r>
+              <a:rPr lang="de-DE">
+                <a:solidFill>
+                  <a:schemeClr val="bg1">
+                    <a:lumMod val="95000"/>
+                  </a:schemeClr>
+                </a:solidFill>
+              </a:rPr>
+              <a:t>Tour </a:t>
+            </a:r>
+            <a:r>
+              <a:rPr lang="de-DE" smtClean="0">
+                <a:solidFill>
+                  <a:schemeClr val="bg1">
+                    <a:lumMod val="95000"/>
+                  </a:schemeClr>
+                </a:solidFill>
+              </a:rPr>
+              <a:t>präpariert</a:t>
+            </a:r>
+            <a:endParaRPr lang="de-DE" dirty="0">
+              <a:solidFill>
+                <a:schemeClr val="bg1">
+                  <a:lumMod val="95000"/>
+                </a:schemeClr>
+              </a:solidFill>
+            </a:endParaRPr>
+          </a:p>
+          <a:p>
+            <a:pPr lvl="1"/>
+            <a:r>
+              <a:rPr lang="de-DE" dirty="0">
+                <a:solidFill>
+                  <a:schemeClr val="bg1">
+                    <a:lumMod val="95000"/>
+                  </a:schemeClr>
+                </a:solidFill>
+              </a:rPr>
+              <a:t>Plattform-Unabhängigkeit</a:t>
+            </a:r>
+          </a:p>
+          <a:p>
+            <a:endParaRPr lang="de-DE" dirty="0">
+              <a:solidFill>
+                <a:schemeClr val="bg1">
+                  <a:lumMod val="95000"/>
+                </a:schemeClr>
+              </a:solidFill>
+            </a:endParaRPr>
           </a:p>
         </p:txBody>
       </p:sp>
@@ -4987,21 +5147,8 @@
                   <a:schemeClr val="bg1"/>
                 </a:solidFill>
               </a:rPr>
-              <a:t>Findung des </a:t>
-            </a:r>
-            <a:r>
-              <a:rPr lang="de-DE" dirty="0" smtClean="0">
-                <a:solidFill>
-                  <a:schemeClr val="bg1"/>
-                </a:solidFill>
-              </a:rPr>
-              <a:t>Schwierigkeitsgrades</a:t>
-            </a:r>
-            <a:endParaRPr lang="de-DE" dirty="0" smtClean="0">
-              <a:solidFill>
-                <a:schemeClr val="bg1"/>
-              </a:solidFill>
-            </a:endParaRPr>
+              <a:t>Findung des Schwierigkeitsgrades</a:t>
+            </a:r>
           </a:p>
           <a:p>
             <a:r>

--- a/Projektauftrag.pptx
+++ b/Projektauftrag.pptx
@@ -5,7 +5,7 @@
     <p:sldMasterId id="2147483804" r:id="rId1"/>
   </p:sldMasterIdLst>
   <p:notesMasterIdLst>
-    <p:notesMasterId r:id="rId12"/>
+    <p:notesMasterId r:id="rId11"/>
   </p:notesMasterIdLst>
   <p:sldIdLst>
     <p:sldId id="256" r:id="rId2"/>
@@ -17,7 +17,6 @@
     <p:sldId id="268" r:id="rId8"/>
     <p:sldId id="269" r:id="rId9"/>
     <p:sldId id="270" r:id="rId10"/>
-    <p:sldId id="271" r:id="rId11"/>
   </p:sldIdLst>
   <p:sldSz cx="9144000" cy="6858000" type="screen4x3"/>
   <p:notesSz cx="6858000" cy="9144000"/>
@@ -217,7 +216,7 @@
           <a:p>
             <a:fld id="{5098C484-ED75-4DD6-83BC-848F923ACBFB}" type="datetimeFigureOut">
               <a:rPr lang="de-DE" smtClean="0"/>
-              <a:t>30.04.2014</a:t>
+              <a:t>03.05.2014</a:t>
             </a:fld>
             <a:endParaRPr lang="de-DE"/>
           </a:p>
@@ -846,7 +845,7 @@
           <a:p>
             <a:fld id="{B70DA2B2-4206-4C5B-B1C3-32EEE7A03DAA}" type="datetimeFigureOut">
               <a:rPr lang="de-DE" smtClean="0"/>
-              <a:t>30.04.2014</a:t>
+              <a:t>03.05.2014</a:t>
             </a:fld>
             <a:endParaRPr lang="de-DE"/>
           </a:p>
@@ -1016,7 +1015,7 @@
           <a:p>
             <a:fld id="{B70DA2B2-4206-4C5B-B1C3-32EEE7A03DAA}" type="datetimeFigureOut">
               <a:rPr lang="de-DE" smtClean="0"/>
-              <a:t>30.04.2014</a:t>
+              <a:t>03.05.2014</a:t>
             </a:fld>
             <a:endParaRPr lang="de-DE"/>
           </a:p>
@@ -1196,7 +1195,7 @@
           <a:p>
             <a:fld id="{B70DA2B2-4206-4C5B-B1C3-32EEE7A03DAA}" type="datetimeFigureOut">
               <a:rPr lang="de-DE" smtClean="0"/>
-              <a:t>30.04.2014</a:t>
+              <a:t>03.05.2014</a:t>
             </a:fld>
             <a:endParaRPr lang="de-DE"/>
           </a:p>
@@ -1366,7 +1365,7 @@
           <a:p>
             <a:fld id="{B70DA2B2-4206-4C5B-B1C3-32EEE7A03DAA}" type="datetimeFigureOut">
               <a:rPr lang="de-DE" smtClean="0"/>
-              <a:t>30.04.2014</a:t>
+              <a:t>03.05.2014</a:t>
             </a:fld>
             <a:endParaRPr lang="de-DE"/>
           </a:p>
@@ -1612,7 +1611,7 @@
           <a:p>
             <a:fld id="{B70DA2B2-4206-4C5B-B1C3-32EEE7A03DAA}" type="datetimeFigureOut">
               <a:rPr lang="de-DE" smtClean="0"/>
-              <a:t>30.04.2014</a:t>
+              <a:t>03.05.2014</a:t>
             </a:fld>
             <a:endParaRPr lang="de-DE"/>
           </a:p>
@@ -1900,7 +1899,7 @@
           <a:p>
             <a:fld id="{B70DA2B2-4206-4C5B-B1C3-32EEE7A03DAA}" type="datetimeFigureOut">
               <a:rPr lang="de-DE" smtClean="0"/>
-              <a:t>30.04.2014</a:t>
+              <a:t>03.05.2014</a:t>
             </a:fld>
             <a:endParaRPr lang="de-DE"/>
           </a:p>
@@ -2322,7 +2321,7 @@
           <a:p>
             <a:fld id="{B70DA2B2-4206-4C5B-B1C3-32EEE7A03DAA}" type="datetimeFigureOut">
               <a:rPr lang="de-DE" smtClean="0"/>
-              <a:t>30.04.2014</a:t>
+              <a:t>03.05.2014</a:t>
             </a:fld>
             <a:endParaRPr lang="de-DE"/>
           </a:p>
@@ -2440,7 +2439,7 @@
           <a:p>
             <a:fld id="{B70DA2B2-4206-4C5B-B1C3-32EEE7A03DAA}" type="datetimeFigureOut">
               <a:rPr lang="de-DE" smtClean="0"/>
-              <a:t>30.04.2014</a:t>
+              <a:t>03.05.2014</a:t>
             </a:fld>
             <a:endParaRPr lang="de-DE"/>
           </a:p>
@@ -2535,7 +2534,7 @@
           <a:p>
             <a:fld id="{B70DA2B2-4206-4C5B-B1C3-32EEE7A03DAA}" type="datetimeFigureOut">
               <a:rPr lang="de-DE" smtClean="0"/>
-              <a:t>30.04.2014</a:t>
+              <a:t>03.05.2014</a:t>
             </a:fld>
             <a:endParaRPr lang="de-DE"/>
           </a:p>
@@ -2812,7 +2811,7 @@
           <a:p>
             <a:fld id="{B70DA2B2-4206-4C5B-B1C3-32EEE7A03DAA}" type="datetimeFigureOut">
               <a:rPr lang="de-DE" smtClean="0"/>
-              <a:t>30.04.2014</a:t>
+              <a:t>03.05.2014</a:t>
             </a:fld>
             <a:endParaRPr lang="de-DE"/>
           </a:p>
@@ -3065,7 +3064,7 @@
           <a:p>
             <a:fld id="{B70DA2B2-4206-4C5B-B1C3-32EEE7A03DAA}" type="datetimeFigureOut">
               <a:rPr lang="de-DE" smtClean="0"/>
-              <a:t>30.04.2014</a:t>
+              <a:t>03.05.2014</a:t>
             </a:fld>
             <a:endParaRPr lang="de-DE"/>
           </a:p>
@@ -3278,7 +3277,7 @@
           <a:p>
             <a:fld id="{B70DA2B2-4206-4C5B-B1C3-32EEE7A03DAA}" type="datetimeFigureOut">
               <a:rPr lang="de-DE" smtClean="0"/>
-              <a:t>30.04.2014</a:t>
+              <a:t>03.05.2014</a:t>
             </a:fld>
             <a:endParaRPr lang="de-DE"/>
           </a:p>
@@ -3789,190 +3788,6 @@
 </p:sld>
 </file>
 
-<file path=ppt/slides/slide10.xml><?xml version="1.0" encoding="utf-8"?>
-<p:sld xmlns:a="http://schemas.openxmlformats.org/drawingml/2006/main" xmlns:r="http://schemas.openxmlformats.org/officeDocument/2006/relationships" xmlns:p="http://schemas.openxmlformats.org/presentationml/2006/main">
-  <p:cSld>
-    <p:bg>
-      <p:bgPr>
-        <a:solidFill>
-          <a:schemeClr val="tx1"/>
-        </a:solidFill>
-        <a:effectLst/>
-      </p:bgPr>
-    </p:bg>
-    <p:spTree>
-      <p:nvGrpSpPr>
-        <p:cNvPr id="1" name=""/>
-        <p:cNvGrpSpPr/>
-        <p:nvPr/>
-      </p:nvGrpSpPr>
-      <p:grpSpPr>
-        <a:xfrm>
-          <a:off x="0" y="0"/>
-          <a:ext cx="0" cy="0"/>
-          <a:chOff x="0" y="0"/>
-          <a:chExt cx="0" cy="0"/>
-        </a:xfrm>
-      </p:grpSpPr>
-      <p:sp>
-        <p:nvSpPr>
-          <p:cNvPr id="2" name="Titel 1"/>
-          <p:cNvSpPr>
-            <a:spLocks noGrp="1"/>
-          </p:cNvSpPr>
-          <p:nvPr>
-            <p:ph type="title"/>
-          </p:nvPr>
-        </p:nvSpPr>
-        <p:spPr/>
-        <p:txBody>
-          <a:bodyPr/>
-          <a:lstStyle/>
-          <a:p>
-            <a:r>
-              <a:rPr lang="de-DE" dirty="0" smtClean="0">
-                <a:solidFill>
-                  <a:schemeClr val="bg1"/>
-                </a:solidFill>
-              </a:rPr>
-              <a:t>Formales</a:t>
-            </a:r>
-            <a:endParaRPr lang="de-DE" dirty="0">
-              <a:solidFill>
-                <a:schemeClr val="bg1"/>
-              </a:solidFill>
-            </a:endParaRPr>
-          </a:p>
-        </p:txBody>
-      </p:sp>
-      <p:sp>
-        <p:nvSpPr>
-          <p:cNvPr id="3" name="Inhaltsplatzhalter 2"/>
-          <p:cNvSpPr>
-            <a:spLocks noGrp="1"/>
-          </p:cNvSpPr>
-          <p:nvPr>
-            <p:ph idx="1"/>
-          </p:nvPr>
-        </p:nvSpPr>
-        <p:spPr/>
-        <p:txBody>
-          <a:bodyPr>
-            <a:normAutofit lnSpcReduction="10000"/>
-          </a:bodyPr>
-          <a:lstStyle/>
-          <a:p>
-            <a:r>
-              <a:rPr lang="de-DE" dirty="0" smtClean="0">
-                <a:solidFill>
-                  <a:schemeClr val="bg1"/>
-                </a:solidFill>
-              </a:rPr>
-              <a:t>Auftragsdatum</a:t>
-            </a:r>
-          </a:p>
-          <a:p>
-            <a:pPr lvl="1"/>
-            <a:r>
-              <a:rPr lang="de-DE" dirty="0" smtClean="0">
-                <a:solidFill>
-                  <a:schemeClr val="bg1"/>
-                </a:solidFill>
-              </a:rPr>
-              <a:t>29.04.2014</a:t>
-            </a:r>
-          </a:p>
-          <a:p>
-            <a:r>
-              <a:rPr lang="de-DE" dirty="0" smtClean="0">
-                <a:solidFill>
-                  <a:schemeClr val="bg1"/>
-                </a:solidFill>
-              </a:rPr>
-              <a:t>Unterschriften</a:t>
-            </a:r>
-          </a:p>
-          <a:p>
-            <a:pPr lvl="1"/>
-            <a:r>
-              <a:rPr lang="de-DE" dirty="0" smtClean="0">
-                <a:solidFill>
-                  <a:schemeClr val="bg1"/>
-                </a:solidFill>
-              </a:rPr>
-              <a:t>A</a:t>
-            </a:r>
-          </a:p>
-          <a:p>
-            <a:pPr lvl="1"/>
-            <a:r>
-              <a:rPr lang="de-DE" dirty="0" smtClean="0">
-                <a:solidFill>
-                  <a:schemeClr val="bg1"/>
-                </a:solidFill>
-              </a:rPr>
-              <a:t>B</a:t>
-            </a:r>
-          </a:p>
-          <a:p>
-            <a:pPr lvl="1"/>
-            <a:r>
-              <a:rPr lang="de-DE" dirty="0" smtClean="0">
-                <a:solidFill>
-                  <a:schemeClr val="bg1"/>
-                </a:solidFill>
-              </a:rPr>
-              <a:t>C</a:t>
-            </a:r>
-          </a:p>
-          <a:p>
-            <a:pPr lvl="1"/>
-            <a:r>
-              <a:rPr lang="de-DE" dirty="0" smtClean="0">
-                <a:solidFill>
-                  <a:schemeClr val="bg1"/>
-                </a:solidFill>
-              </a:rPr>
-              <a:t>D</a:t>
-            </a:r>
-          </a:p>
-          <a:p>
-            <a:pPr lvl="1"/>
-            <a:r>
-              <a:rPr lang="de-DE" dirty="0" smtClean="0">
-                <a:solidFill>
-                  <a:schemeClr val="bg1"/>
-                </a:solidFill>
-              </a:rPr>
-              <a:t>E</a:t>
-            </a:r>
-          </a:p>
-          <a:p>
-            <a:pPr lvl="1"/>
-            <a:r>
-              <a:rPr lang="de-DE" dirty="0" smtClean="0">
-                <a:solidFill>
-                  <a:schemeClr val="bg1"/>
-                </a:solidFill>
-              </a:rPr>
-              <a:t>F</a:t>
-            </a:r>
-          </a:p>
-        </p:txBody>
-      </p:sp>
-    </p:spTree>
-    <p:extLst>
-      <p:ext uri="{BB962C8B-B14F-4D97-AF65-F5344CB8AC3E}">
-        <p14:creationId xmlns:p14="http://schemas.microsoft.com/office/powerpoint/2010/main" val="1649252601"/>
-      </p:ext>
-    </p:extLst>
-  </p:cSld>
-  <p:clrMapOvr>
-    <a:masterClrMapping/>
-  </p:clrMapOvr>
-</p:sld>
-</file>
-
 <file path=ppt/slides/slide2.xml><?xml version="1.0" encoding="utf-8"?>
 <p:sld xmlns:a="http://schemas.openxmlformats.org/drawingml/2006/main" xmlns:r="http://schemas.openxmlformats.org/officeDocument/2006/relationships" xmlns:p="http://schemas.openxmlformats.org/presentationml/2006/main">
   <p:cSld>
@@ -4599,14 +4414,14 @@
               <a:t>Public </a:t>
             </a:r>
             <a:r>
-              <a:rPr lang="de-DE" dirty="0" err="1" smtClean="0">
+              <a:rPr lang="de-DE" dirty="0" smtClean="0">
                 <a:solidFill>
                   <a:schemeClr val="bg1">
                     <a:lumMod val="95000"/>
                   </a:schemeClr>
                 </a:solidFill>
               </a:rPr>
-              <a:t>Relationship</a:t>
+              <a:t>Relations</a:t>
             </a:r>
             <a:endParaRPr lang="de-DE" dirty="0">
               <a:solidFill>
@@ -4640,7 +4455,27 @@
                   </a:schemeClr>
                 </a:solidFill>
               </a:rPr>
-              <a:t>Der Aufwand der App beschränkt sich auf die Entwicklung, sowie die Initiale Sammlung der Daten. Im Nachhinein können regelmäßig die Routen auf Aktualität geprüft werden.</a:t>
+              <a:t>Der Aufwand der App beschränkt sich auf die Entwicklung, sowie die </a:t>
+            </a:r>
+            <a:r>
+              <a:rPr lang="de-DE" dirty="0" smtClean="0">
+                <a:solidFill>
+                  <a:schemeClr val="bg1">
+                    <a:lumMod val="95000"/>
+                  </a:schemeClr>
+                </a:solidFill>
+              </a:rPr>
+              <a:t>initiale </a:t>
+            </a:r>
+            <a:r>
+              <a:rPr lang="de-DE" dirty="0" smtClean="0">
+                <a:solidFill>
+                  <a:schemeClr val="bg1">
+                    <a:lumMod val="95000"/>
+                  </a:schemeClr>
+                </a:solidFill>
+              </a:rPr>
+              <a:t>Sammlung der Daten. Im Nachhinein können regelmäßig die Routen auf Aktualität geprüft werden.</a:t>
             </a:r>
           </a:p>
           <a:p>
